--- a/knime_introduction-Short.pptx
+++ b/knime_introduction-Short.pptx
@@ -5,15 +5,16 @@
     <p:sldMasterId id="2147483660" r:id="rId4"/>
   </p:sldMasterIdLst>
   <p:notesMasterIdLst>
-    <p:notesMasterId r:id="rId11"/>
+    <p:notesMasterId r:id="rId12"/>
   </p:notesMasterIdLst>
   <p:sldIdLst>
     <p:sldId id="2139118848" r:id="rId5"/>
-    <p:sldId id="2139118846" r:id="rId6"/>
-    <p:sldId id="257" r:id="rId7"/>
-    <p:sldId id="2139118847" r:id="rId8"/>
-    <p:sldId id="2139118825" r:id="rId9"/>
-    <p:sldId id="2139118826" r:id="rId10"/>
+    <p:sldId id="297" r:id="rId6"/>
+    <p:sldId id="2139118846" r:id="rId7"/>
+    <p:sldId id="257" r:id="rId8"/>
+    <p:sldId id="2139118847" r:id="rId9"/>
+    <p:sldId id="2139118825" r:id="rId10"/>
+    <p:sldId id="2139118826" r:id="rId11"/>
   </p:sldIdLst>
   <p:sldSz cx="9144000" cy="5143500" type="screen16x9"/>
   <p:notesSz cx="6858000" cy="9144000"/>
@@ -123,7 +124,7 @@
 <file path=ppt/revisionInfo.xml><?xml version="1.0" encoding="utf-8"?>
 <p1510:revInfo xmlns:a="http://schemas.openxmlformats.org/drawingml/2006/main" xmlns:r="http://schemas.openxmlformats.org/officeDocument/2006/relationships" xmlns:p1510="http://schemas.microsoft.com/office/powerpoint/2015/10/main">
   <p1510:revLst>
-    <p1510:client id="{BA150E97-3CFB-4767-92B3-73B5B7F5837D}" v="1" dt="2025-01-02T01:56:10.945"/>
+    <p1510:client id="{BA150E97-3CFB-4767-92B3-73B5B7F5837D}" v="2" dt="2025-01-08T23:08:37.030"/>
   </p1510:revLst>
 </p1510:revInfo>
 </file>
@@ -529,8 +530,8 @@
   </pc:docChgLst>
   <pc:docChgLst>
     <pc:chgData name="Arjang Fahim" userId="d99f17d917874ef7" providerId="LiveId" clId="{BA150E97-3CFB-4767-92B3-73B5B7F5837D}"/>
-    <pc:docChg chg="custSel delSld modSld delSection modSection">
-      <pc:chgData name="Arjang Fahim" userId="d99f17d917874ef7" providerId="LiveId" clId="{BA150E97-3CFB-4767-92B3-73B5B7F5837D}" dt="2025-01-08T06:05:36.266" v="100" actId="17853"/>
+    <pc:docChg chg="custSel addSld delSld modSld delSection modSection">
+      <pc:chgData name="Arjang Fahim" userId="d99f17d917874ef7" providerId="LiveId" clId="{BA150E97-3CFB-4767-92B3-73B5B7F5837D}" dt="2025-01-08T23:08:37.027" v="101"/>
       <pc:docMkLst>
         <pc:docMk/>
       </pc:docMkLst>
@@ -588,6 +589,13 @@
         <pc:sldMkLst>
           <pc:docMk/>
           <pc:sldMk cId="1395822470" sldId="271"/>
+        </pc:sldMkLst>
+      </pc:sldChg>
+      <pc:sldChg chg="add modTransition">
+        <pc:chgData name="Arjang Fahim" userId="d99f17d917874ef7" providerId="LiveId" clId="{BA150E97-3CFB-4767-92B3-73B5B7F5837D}" dt="2025-01-08T23:08:37.027" v="101"/>
+        <pc:sldMkLst>
+          <pc:docMk/>
+          <pc:sldMk cId="669178034" sldId="297"/>
         </pc:sldMkLst>
       </pc:sldChg>
       <pc:sldChg chg="del">
@@ -1086,7 +1094,7 @@
           <a:p>
             <a:fld id="{C91130D3-101D-B742-9F58-D4C15DFC8D02}" type="datetimeFigureOut">
               <a:rPr lang="en-US" smtClean="0"/>
-              <a:t>1/7/2025</a:t>
+              <a:t>1/8/2025</a:t>
             </a:fld>
             <a:endParaRPr lang="en-US"/>
           </a:p>
@@ -2290,7 +2298,7 @@
           <a:p>
             <a:fld id="{F403B3B2-F978-8F48-840A-7A6ADAA46E5E}" type="datetime1">
               <a:rPr lang="de-DE" smtClean="0"/>
-              <a:t>07.01.2025</a:t>
+              <a:t>08.01.2025</a:t>
             </a:fld>
             <a:endParaRPr lang="en-DE"/>
           </a:p>
@@ -2698,7 +2706,7 @@
           <a:p>
             <a:fld id="{E3F730F8-9638-BC4D-94DB-2FFDE01F85F5}" type="datetime1">
               <a:rPr lang="de-DE" smtClean="0"/>
-              <a:t>07.01.2025</a:t>
+              <a:t>08.01.2025</a:t>
             </a:fld>
             <a:endParaRPr lang="en-DE" dirty="0"/>
           </a:p>
@@ -3733,7 +3741,7 @@
           <a:p>
             <a:fld id="{49B14001-6042-9948-B650-4FD35DF86D21}" type="datetime1">
               <a:rPr lang="de-DE" smtClean="0"/>
-              <a:t>07.01.2025</a:t>
+              <a:t>08.01.2025</a:t>
             </a:fld>
             <a:endParaRPr lang="en-DE"/>
           </a:p>
@@ -4448,7 +4456,7 @@
           <a:p>
             <a:fld id="{BE94A972-1786-C645-998A-E227C298B3AA}" type="datetime1">
               <a:rPr lang="de-DE" smtClean="0"/>
-              <a:t>07.01.2025</a:t>
+              <a:t>08.01.2025</a:t>
             </a:fld>
             <a:endParaRPr lang="en-DE" dirty="0"/>
           </a:p>
@@ -4685,7 +4693,7 @@
           <a:p>
             <a:fld id="{6D9EE7F8-CB8D-864A-8166-632D4EE401A6}" type="datetime1">
               <a:rPr lang="de-DE" smtClean="0"/>
-              <a:t>07.01.2025</a:t>
+              <a:t>08.01.2025</a:t>
             </a:fld>
             <a:endParaRPr lang="en-DE"/>
           </a:p>
@@ -4977,7 +4985,7 @@
           <a:p>
             <a:fld id="{D62332C7-386D-1447-8FC1-3CBA8D9FB842}" type="datetime1">
               <a:rPr lang="de-DE" smtClean="0"/>
-              <a:t>07.01.2025</a:t>
+              <a:t>08.01.2025</a:t>
             </a:fld>
             <a:endParaRPr lang="en-DE"/>
           </a:p>
@@ -5210,7 +5218,7 @@
           <a:p>
             <a:fld id="{9F2FCDD3-D8F1-0A41-80EA-36A468AE2E62}" type="datetime1">
               <a:rPr lang="de-DE" smtClean="0"/>
-              <a:t>07.01.2025</a:t>
+              <a:t>08.01.2025</a:t>
             </a:fld>
             <a:endParaRPr lang="en-DE"/>
           </a:p>
@@ -5527,7 +5535,7 @@
           <a:p>
             <a:fld id="{83AAECEF-DCD3-9C40-BBEB-712A34DD1F96}" type="datetime1">
               <a:rPr lang="de-DE" smtClean="0"/>
-              <a:t>07.01.2025</a:t>
+              <a:t>08.01.2025</a:t>
             </a:fld>
             <a:endParaRPr lang="en-DE"/>
           </a:p>
@@ -5686,7 +5694,7 @@
           <a:p>
             <a:fld id="{1BF20CF2-686C-2648-96E4-28A48950B34D}" type="datetime1">
               <a:rPr lang="de-DE" smtClean="0"/>
-              <a:t>07.01.2025</a:t>
+              <a:t>08.01.2025</a:t>
             </a:fld>
             <a:endParaRPr lang="en-DE"/>
           </a:p>
@@ -5816,7 +5824,7 @@
           <a:p>
             <a:fld id="{D13E1BDA-B430-A949-ACB6-B37BBD05FACA}" type="datetime1">
               <a:rPr lang="de-DE" smtClean="0"/>
-              <a:t>07.01.2025</a:t>
+              <a:t>08.01.2025</a:t>
             </a:fld>
             <a:endParaRPr lang="en-DE"/>
           </a:p>
@@ -6309,7 +6317,7 @@
           <a:p>
             <a:fld id="{DF0C4849-7E46-AB48-A178-7DC4C5BBA83E}" type="datetime1">
               <a:rPr lang="de-DE" smtClean="0"/>
-              <a:t>07.01.2025</a:t>
+              <a:t>08.01.2025</a:t>
             </a:fld>
             <a:endParaRPr lang="en-DE" dirty="0"/>
           </a:p>
@@ -7328,10 +7336,10 @@
       </p:grpSpPr>
       <p:sp>
         <p:nvSpPr>
-          <p:cNvPr id="2" name="Title 1">
+          <p:cNvPr id="3" name="Content Placeholder 2">
             <a:extLst>
               <a:ext uri="{FF2B5EF4-FFF2-40B4-BE49-F238E27FC236}">
-                <a16:creationId xmlns:a16="http://schemas.microsoft.com/office/drawing/2014/main" id="{0DBE5843-0F93-8BA0-2926-590DB9EFCC86}"/>
+                <a16:creationId xmlns:a16="http://schemas.microsoft.com/office/drawing/2014/main" id="{EABE16C1-DB9C-84EC-8562-360EE80A9642}"/>
               </a:ext>
             </a:extLst>
           </p:cNvPr>
@@ -7339,40 +7347,81 @@
             <a:spLocks noGrp="1"/>
           </p:cNvSpPr>
           <p:nvPr>
-            <p:ph type="ctrTitle"/>
+            <p:ph idx="1"/>
           </p:nvPr>
         </p:nvSpPr>
-        <p:spPr/>
+        <p:spPr>
+          <a:xfrm>
+            <a:off x="521235" y="799096"/>
+            <a:ext cx="7886700" cy="3263504"/>
+          </a:xfrm>
+        </p:spPr>
         <p:txBody>
-          <a:bodyPr>
-            <a:normAutofit fontScale="90000"/>
-          </a:bodyPr>
+          <a:bodyPr/>
           <a:lstStyle/>
           <a:p>
+            <a:pPr marL="0" indent="0" algn="ctr">
+              <a:buNone/>
+            </a:pPr>
             <a:r>
               <a:rPr lang="en-US" dirty="0"/>
-              <a:t>Download and Install</a:t>
-            </a:r>
-            <a:br>
-              <a:rPr lang="en-US" dirty="0"/>
-            </a:br>
-            <a:br>
-              <a:rPr lang="en-US" dirty="0"/>
-            </a:br>
-            <a:r>
-              <a:rPr lang="en-US" dirty="0">
+              <a:t>                 Download link for the presentation and data</a:t>
+            </a:r>
+          </a:p>
+          <a:p>
+            <a:pPr marL="0" indent="0">
+              <a:buNone/>
+            </a:pPr>
+            <a:endParaRPr lang="en-US" dirty="0"/>
+          </a:p>
+          <a:p>
+            <a:pPr marL="342900" lvl="1" indent="0" algn="ctr">
+              <a:buNone/>
+            </a:pPr>
+            <a:r>
+              <a:rPr lang="en-US" sz="2400" dirty="0">
                 <a:hlinkClick r:id="rId2"/>
               </a:rPr>
-              <a:t>https://www.knime.com/downloads</a:t>
-            </a:r>
-            <a:endParaRPr lang="en-US" dirty="0"/>
+              <a:t>https://github.com/arjangvt/CSUBiotechSymposium</a:t>
+            </a:r>
+            <a:endParaRPr lang="en-US" sz="2400" dirty="0"/>
           </a:p>
         </p:txBody>
       </p:sp>
+      <p:pic>
+        <p:nvPicPr>
+          <p:cNvPr id="5" name="Picture 4">
+            <a:extLst>
+              <a:ext uri="{FF2B5EF4-FFF2-40B4-BE49-F238E27FC236}">
+                <a16:creationId xmlns:a16="http://schemas.microsoft.com/office/drawing/2014/main" id="{F8B6DEA9-1915-E20D-5066-28A9F00A1A8A}"/>
+              </a:ext>
+            </a:extLst>
+          </p:cNvPr>
+          <p:cNvPicPr>
+            <a:picLocks noChangeAspect="1"/>
+          </p:cNvPicPr>
+          <p:nvPr/>
+        </p:nvPicPr>
+        <p:blipFill>
+          <a:blip r:embed="rId3"/>
+          <a:stretch>
+            <a:fillRect/>
+          </a:stretch>
+        </p:blipFill>
+        <p:spPr>
+          <a:xfrm>
+            <a:off x="3491440" y="2205039"/>
+            <a:ext cx="2161121" cy="2139365"/>
+          </a:xfrm>
+          <a:prstGeom prst="rect">
+            <a:avLst/>
+          </a:prstGeom>
+        </p:spPr>
+      </p:pic>
     </p:spTree>
     <p:extLst>
       <p:ext uri="{BB962C8B-B14F-4D97-AF65-F5344CB8AC3E}">
-        <p14:creationId xmlns:p14="http://schemas.microsoft.com/office/powerpoint/2010/main" val="995551042"/>
+        <p14:creationId xmlns:p14="http://schemas.microsoft.com/office/powerpoint/2010/main" val="669178034"/>
       </p:ext>
     </p:extLst>
   </p:cSld>
@@ -7411,6 +7460,91 @@
           <a:chExt cx="0" cy="0"/>
         </a:xfrm>
       </p:grpSpPr>
+      <p:sp>
+        <p:nvSpPr>
+          <p:cNvPr id="2" name="Title 1">
+            <a:extLst>
+              <a:ext uri="{FF2B5EF4-FFF2-40B4-BE49-F238E27FC236}">
+                <a16:creationId xmlns:a16="http://schemas.microsoft.com/office/drawing/2014/main" id="{0DBE5843-0F93-8BA0-2926-590DB9EFCC86}"/>
+              </a:ext>
+            </a:extLst>
+          </p:cNvPr>
+          <p:cNvSpPr>
+            <a:spLocks noGrp="1"/>
+          </p:cNvSpPr>
+          <p:nvPr>
+            <p:ph type="ctrTitle"/>
+          </p:nvPr>
+        </p:nvSpPr>
+        <p:spPr/>
+        <p:txBody>
+          <a:bodyPr>
+            <a:normAutofit fontScale="90000"/>
+          </a:bodyPr>
+          <a:lstStyle/>
+          <a:p>
+            <a:r>
+              <a:rPr lang="en-US" dirty="0"/>
+              <a:t>Download and Install</a:t>
+            </a:r>
+            <a:br>
+              <a:rPr lang="en-US" dirty="0"/>
+            </a:br>
+            <a:br>
+              <a:rPr lang="en-US" dirty="0"/>
+            </a:br>
+            <a:r>
+              <a:rPr lang="en-US" dirty="0">
+                <a:hlinkClick r:id="rId2"/>
+              </a:rPr>
+              <a:t>https://www.knime.com/downloads</a:t>
+            </a:r>
+            <a:endParaRPr lang="en-US" dirty="0"/>
+          </a:p>
+        </p:txBody>
+      </p:sp>
+    </p:spTree>
+    <p:extLst>
+      <p:ext uri="{BB962C8B-B14F-4D97-AF65-F5344CB8AC3E}">
+        <p14:creationId xmlns:p14="http://schemas.microsoft.com/office/powerpoint/2010/main" val="995551042"/>
+      </p:ext>
+    </p:extLst>
+  </p:cSld>
+  <p:clrMapOvr>
+    <a:masterClrMapping/>
+  </p:clrMapOvr>
+  <mc:AlternateContent xmlns:mc="http://schemas.openxmlformats.org/markup-compatibility/2006" xmlns:p14="http://schemas.microsoft.com/office/powerpoint/2010/main">
+    <mc:Choice Requires="p14">
+      <p:transition spd="med" p14:dur="700">
+        <p:fade/>
+      </p:transition>
+    </mc:Choice>
+    <mc:Fallback xmlns="">
+      <p:transition spd="med">
+        <p:fade/>
+      </p:transition>
+    </mc:Fallback>
+  </mc:AlternateContent>
+</p:sld>
+</file>
+
+<file path=ppt/slides/slide4.xml><?xml version="1.0" encoding="utf-8"?>
+<p:sld xmlns:a="http://schemas.openxmlformats.org/drawingml/2006/main" xmlns:r="http://schemas.openxmlformats.org/officeDocument/2006/relationships" xmlns:p="http://schemas.openxmlformats.org/presentationml/2006/main">
+  <p:cSld>
+    <p:spTree>
+      <p:nvGrpSpPr>
+        <p:cNvPr id="1" name=""/>
+        <p:cNvGrpSpPr/>
+        <p:nvPr/>
+      </p:nvGrpSpPr>
+      <p:grpSpPr>
+        <a:xfrm>
+          <a:off x="0" y="0"/>
+          <a:ext cx="0" cy="0"/>
+          <a:chOff x="0" y="0"/>
+          <a:chExt cx="0" cy="0"/>
+        </a:xfrm>
+      </p:grpSpPr>
       <p:pic>
         <p:nvPicPr>
           <p:cNvPr id="5" name="Picture 4">
@@ -7561,7 +7695,7 @@
             <a:fld id="{220B6647-BD7A-7942-B66E-0DFF9B72D92D}" type="slidenum">
               <a:rPr lang="en-US" smtClean="0"/>
               <a:pPr/>
-              <a:t>3</a:t>
+              <a:t>4</a:t>
             </a:fld>
             <a:endParaRPr lang="en-US"/>
           </a:p>
@@ -7652,7 +7786,7 @@
 </p:sld>
 </file>
 
-<file path=ppt/slides/slide4.xml><?xml version="1.0" encoding="utf-8"?>
+<file path=ppt/slides/slide5.xml><?xml version="1.0" encoding="utf-8"?>
 <p:sld xmlns:a="http://schemas.openxmlformats.org/drawingml/2006/main" xmlns:r="http://schemas.openxmlformats.org/officeDocument/2006/relationships" xmlns:p="http://schemas.openxmlformats.org/presentationml/2006/main">
   <p:cSld>
     <p:spTree>
@@ -7784,7 +7918,7 @@
             <a:fld id="{220B6647-BD7A-7942-B66E-0DFF9B72D92D}" type="slidenum">
               <a:rPr lang="en-US" smtClean="0"/>
               <a:pPr/>
-              <a:t>4</a:t>
+              <a:t>5</a:t>
             </a:fld>
             <a:endParaRPr lang="en-US"/>
           </a:p>
@@ -8477,7 +8611,7 @@
 </p:sld>
 </file>
 
-<file path=ppt/slides/slide5.xml><?xml version="1.0" encoding="utf-8"?>
+<file path=ppt/slides/slide6.xml><?xml version="1.0" encoding="utf-8"?>
 <p:sld xmlns:a="http://schemas.openxmlformats.org/drawingml/2006/main" xmlns:r="http://schemas.openxmlformats.org/officeDocument/2006/relationships" xmlns:p="http://schemas.openxmlformats.org/presentationml/2006/main">
   <p:cSld>
     <p:spTree>
@@ -8518,7 +8652,7 @@
             <a:fld id="{220B6647-BD7A-7942-B66E-0DFF9B72D92D}" type="slidenum">
               <a:rPr lang="en-US" smtClean="0"/>
               <a:pPr/>
-              <a:t>5</a:t>
+              <a:t>6</a:t>
             </a:fld>
             <a:endParaRPr lang="en-US"/>
           </a:p>
@@ -9530,7 +9664,7 @@
 </p:sld>
 </file>
 
-<file path=ppt/slides/slide6.xml><?xml version="1.0" encoding="utf-8"?>
+<file path=ppt/slides/slide7.xml><?xml version="1.0" encoding="utf-8"?>
 <p:sld xmlns:a="http://schemas.openxmlformats.org/drawingml/2006/main" xmlns:r="http://schemas.openxmlformats.org/officeDocument/2006/relationships" xmlns:p="http://schemas.openxmlformats.org/presentationml/2006/main">
   <p:cSld>
     <p:spTree>
@@ -9571,7 +9705,7 @@
             <a:fld id="{220B6647-BD7A-7942-B66E-0DFF9B72D92D}" type="slidenum">
               <a:rPr lang="en-US" smtClean="0"/>
               <a:pPr/>
-              <a:t>6</a:t>
+              <a:t>7</a:t>
             </a:fld>
             <a:endParaRPr lang="en-US"/>
           </a:p>
@@ -10303,6 +10437,25 @@
 </file>
 
 <file path=customXml/item1.xml><?xml version="1.0" encoding="utf-8"?>
+<p:properties xmlns:p="http://schemas.microsoft.com/office/2006/metadata/properties" xmlns:xsi="http://www.w3.org/2001/XMLSchema-instance" xmlns:pc="http://schemas.microsoft.com/office/infopath/2007/PartnerControls">
+  <documentManagement>
+    <_ip_UnifiedCompliancePolicyUIAction xmlns="http://schemas.microsoft.com/sharepoint/v3" xsi:nil="true"/>
+    <_ip_UnifiedCompliancePolicyProperties xmlns="http://schemas.microsoft.com/sharepoint/v3" xsi:nil="true"/>
+    <_activity xmlns="96d231d2-e55b-4cf6-a3c5-78679b9e38e5" xsi:nil="true"/>
+  </documentManagement>
+</p:properties>
+</file>
+
+<file path=customXml/item2.xml><?xml version="1.0" encoding="utf-8"?>
+<?mso-contentType ?>
+<FormTemplates xmlns="http://schemas.microsoft.com/sharepoint/v3/contenttype/forms">
+  <Display>DocumentLibraryForm</Display>
+  <Edit>DocumentLibraryForm</Edit>
+  <New>DocumentLibraryForm</New>
+</FormTemplates>
+</file>
+
+<file path=customXml/item3.xml><?xml version="1.0" encoding="utf-8"?>
 <ct:contentTypeSchema xmlns:ct="http://schemas.microsoft.com/office/2006/metadata/contentType" xmlns:ma="http://schemas.microsoft.com/office/2006/metadata/properties/metaAttributes" ct:_="" ma:_="" ma:contentTypeName="Document" ma:contentTypeID="0x010100B80AD3EF804BE948894B2DCFE188F116" ma:contentTypeVersion="15" ma:contentTypeDescription="Create a new document." ma:contentTypeScope="" ma:versionID="5d7923a5dbc6973350f97aaf8815c3cd">
   <xsd:schema xmlns:xsd="http://www.w3.org/2001/XMLSchema" xmlns:xs="http://www.w3.org/2001/XMLSchema" xmlns:p="http://schemas.microsoft.com/office/2006/metadata/properties" xmlns:ns1="http://schemas.microsoft.com/sharepoint/v3" xmlns:ns3="96d231d2-e55b-4cf6-a3c5-78679b9e38e5" targetNamespace="http://schemas.microsoft.com/office/2006/metadata/properties" ma:root="true" ma:fieldsID="1df9e81f841a35286f3c5fe1e72744c1" ns1:_="" ns3:_="">
     <xsd:import namespace="http://schemas.microsoft.com/sharepoint/v3"/>
@@ -10521,26 +10674,32 @@
 </ct:contentTypeSchema>
 </file>
 
-<file path=customXml/item2.xml><?xml version="1.0" encoding="utf-8"?>
-<?mso-contentType ?>
-<FormTemplates xmlns="http://schemas.microsoft.com/sharepoint/v3/contenttype/forms">
-  <Display>DocumentLibraryForm</Display>
-  <Edit>DocumentLibraryForm</Edit>
-  <New>DocumentLibraryForm</New>
-</FormTemplates>
+<file path=customXml/itemProps1.xml><?xml version="1.0" encoding="utf-8"?>
+<ds:datastoreItem xmlns:ds="http://schemas.openxmlformats.org/officeDocument/2006/customXml" ds:itemID="{D461CD9A-F17E-4371-A78B-2D36FDBC33D8}">
+  <ds:schemaRefs>
+    <ds:schemaRef ds:uri="http://schemas.microsoft.com/sharepoint/v3"/>
+    <ds:schemaRef ds:uri="http://purl.org/dc/terms/"/>
+    <ds:schemaRef ds:uri="http://schemas.openxmlformats.org/package/2006/metadata/core-properties"/>
+    <ds:schemaRef ds:uri="http://schemas.microsoft.com/office/2006/documentManagement/types"/>
+    <ds:schemaRef ds:uri="http://schemas.microsoft.com/office/infopath/2007/PartnerControls"/>
+    <ds:schemaRef ds:uri="http://purl.org/dc/elements/1.1/"/>
+    <ds:schemaRef ds:uri="http://schemas.microsoft.com/office/2006/metadata/properties"/>
+    <ds:schemaRef ds:uri="96d231d2-e55b-4cf6-a3c5-78679b9e38e5"/>
+    <ds:schemaRef ds:uri="http://www.w3.org/XML/1998/namespace"/>
+    <ds:schemaRef ds:uri="http://purl.org/dc/dcmitype/"/>
+  </ds:schemaRefs>
+</ds:datastoreItem>
 </file>
 
-<file path=customXml/item3.xml><?xml version="1.0" encoding="utf-8"?>
-<p:properties xmlns:p="http://schemas.microsoft.com/office/2006/metadata/properties" xmlns:xsi="http://www.w3.org/2001/XMLSchema-instance" xmlns:pc="http://schemas.microsoft.com/office/infopath/2007/PartnerControls">
-  <documentManagement>
-    <_ip_UnifiedCompliancePolicyUIAction xmlns="http://schemas.microsoft.com/sharepoint/v3" xsi:nil="true"/>
-    <_ip_UnifiedCompliancePolicyProperties xmlns="http://schemas.microsoft.com/sharepoint/v3" xsi:nil="true"/>
-    <_activity xmlns="96d231d2-e55b-4cf6-a3c5-78679b9e38e5" xsi:nil="true"/>
-  </documentManagement>
-</p:properties>
+<file path=customXml/itemProps2.xml><?xml version="1.0" encoding="utf-8"?>
+<ds:datastoreItem xmlns:ds="http://schemas.openxmlformats.org/officeDocument/2006/customXml" ds:itemID="{86FE6FBE-C2A9-4398-98EE-6076EA37697E}">
+  <ds:schemaRefs>
+    <ds:schemaRef ds:uri="http://schemas.microsoft.com/sharepoint/v3/contenttype/forms"/>
+  </ds:schemaRefs>
+</ds:datastoreItem>
 </file>
 
-<file path=customXml/itemProps1.xml><?xml version="1.0" encoding="utf-8"?>
+<file path=customXml/itemProps3.xml><?xml version="1.0" encoding="utf-8"?>
 <ds:datastoreItem xmlns:ds="http://schemas.openxmlformats.org/officeDocument/2006/customXml" ds:itemID="{75574009-A1E5-4872-AC03-94A18D6EC8B6}">
   <ds:schemaRefs>
     <ds:schemaRef ds:uri="http://schemas.microsoft.com/office/2006/metadata/contentType"/>
@@ -10557,29 +10716,4 @@
     <ds:schemaRef ds:uri="http://schemas.microsoft.com/internal/obd"/>
   </ds:schemaRefs>
 </ds:datastoreItem>
-</file>
-
-<file path=customXml/itemProps2.xml><?xml version="1.0" encoding="utf-8"?>
-<ds:datastoreItem xmlns:ds="http://schemas.openxmlformats.org/officeDocument/2006/customXml" ds:itemID="{86FE6FBE-C2A9-4398-98EE-6076EA37697E}">
-  <ds:schemaRefs>
-    <ds:schemaRef ds:uri="http://schemas.microsoft.com/sharepoint/v3/contenttype/forms"/>
-  </ds:schemaRefs>
-</ds:datastoreItem>
-</file>
-
-<file path=customXml/itemProps3.xml><?xml version="1.0" encoding="utf-8"?>
-<ds:datastoreItem xmlns:ds="http://schemas.openxmlformats.org/officeDocument/2006/customXml" ds:itemID="{D461CD9A-F17E-4371-A78B-2D36FDBC33D8}">
-  <ds:schemaRefs>
-    <ds:schemaRef ds:uri="http://schemas.microsoft.com/sharepoint/v3"/>
-    <ds:schemaRef ds:uri="http://purl.org/dc/terms/"/>
-    <ds:schemaRef ds:uri="http://schemas.openxmlformats.org/package/2006/metadata/core-properties"/>
-    <ds:schemaRef ds:uri="http://schemas.microsoft.com/office/2006/documentManagement/types"/>
-    <ds:schemaRef ds:uri="http://schemas.microsoft.com/office/infopath/2007/PartnerControls"/>
-    <ds:schemaRef ds:uri="http://purl.org/dc/elements/1.1/"/>
-    <ds:schemaRef ds:uri="http://schemas.microsoft.com/office/2006/metadata/properties"/>
-    <ds:schemaRef ds:uri="96d231d2-e55b-4cf6-a3c5-78679b9e38e5"/>
-    <ds:schemaRef ds:uri="http://www.w3.org/XML/1998/namespace"/>
-    <ds:schemaRef ds:uri="http://purl.org/dc/dcmitype/"/>
-  </ds:schemaRefs>
-</ds:datastoreItem>
 </file>